--- a/presentation.pptx
+++ b/presentation.pptx
@@ -842,7 +842,7 @@
             <a:fld id="{B61BEF0D-F0BB-DE4B-95CE-6DB70DBA9567}" type="datetimeFigureOut">
               <a:rPr lang="en-US" dirty="0"/>
               <a:pPr/>
-              <a:t>12/10/2018</a:t>
+              <a:t>12/17/2018</a:t>
             </a:fld>
             <a:endParaRPr lang="en-US" dirty="0"/>
           </a:p>
@@ -1090,7 +1090,7 @@
             <a:fld id="{B61BEF0D-F0BB-DE4B-95CE-6DB70DBA9567}" type="datetimeFigureOut">
               <a:rPr lang="en-US" dirty="0"/>
               <a:pPr/>
-              <a:t>12/10/2018</a:t>
+              <a:t>12/17/2018</a:t>
             </a:fld>
             <a:endParaRPr lang="en-US" dirty="0"/>
           </a:p>
@@ -1401,7 +1401,7 @@
             <a:fld id="{B61BEF0D-F0BB-DE4B-95CE-6DB70DBA9567}" type="datetimeFigureOut">
               <a:rPr lang="en-US" dirty="0"/>
               <a:pPr/>
-              <a:t>12/10/2018</a:t>
+              <a:t>12/17/2018</a:t>
             </a:fld>
             <a:endParaRPr lang="en-US" dirty="0"/>
           </a:p>
@@ -1739,7 +1739,7 @@
             <a:fld id="{B61BEF0D-F0BB-DE4B-95CE-6DB70DBA9567}" type="datetimeFigureOut">
               <a:rPr lang="en-US" dirty="0"/>
               <a:pPr/>
-              <a:t>12/10/2018</a:t>
+              <a:t>12/17/2018</a:t>
             </a:fld>
             <a:endParaRPr lang="en-US" dirty="0"/>
           </a:p>
@@ -2050,7 +2050,7 @@
             <a:fld id="{B61BEF0D-F0BB-DE4B-95CE-6DB70DBA9567}" type="datetimeFigureOut">
               <a:rPr lang="en-US" dirty="0"/>
               <a:pPr/>
-              <a:t>12/10/2018</a:t>
+              <a:t>12/17/2018</a:t>
             </a:fld>
             <a:endParaRPr lang="en-US" dirty="0"/>
           </a:p>
@@ -2440,7 +2440,7 @@
             <a:fld id="{B61BEF0D-F0BB-DE4B-95CE-6DB70DBA9567}" type="datetimeFigureOut">
               <a:rPr lang="en-US" dirty="0"/>
               <a:pPr/>
-              <a:t>12/10/2018</a:t>
+              <a:t>12/17/2018</a:t>
             </a:fld>
             <a:endParaRPr lang="en-US" dirty="0"/>
           </a:p>
@@ -2606,7 +2606,7 @@
           <a:p>
             <a:fld id="{55C6B4A9-1611-4792-9094-5F34BCA07E0B}" type="datetimeFigureOut">
               <a:rPr lang="en-US" dirty="0"/>
-              <a:t>12/10/2018</a:t>
+              <a:t>12/17/2018</a:t>
             </a:fld>
             <a:endParaRPr lang="en-US" dirty="0"/>
           </a:p>
@@ -2782,7 +2782,7 @@
             <a:fld id="{B61BEF0D-F0BB-DE4B-95CE-6DB70DBA9567}" type="datetimeFigureOut">
               <a:rPr lang="en-US" dirty="0"/>
               <a:pPr/>
-              <a:t>12/10/2018</a:t>
+              <a:t>12/17/2018</a:t>
             </a:fld>
             <a:endParaRPr lang="en-US" dirty="0"/>
           </a:p>
@@ -2955,7 +2955,7 @@
             <a:fld id="{B61BEF0D-F0BB-DE4B-95CE-6DB70DBA9567}" type="datetimeFigureOut">
               <a:rPr lang="en-US" dirty="0"/>
               <a:pPr/>
-              <a:t>12/10/2018</a:t>
+              <a:t>12/17/2018</a:t>
             </a:fld>
             <a:endParaRPr lang="en-US" dirty="0"/>
           </a:p>
@@ -3199,7 +3199,7 @@
             <a:fld id="{B61BEF0D-F0BB-DE4B-95CE-6DB70DBA9567}" type="datetimeFigureOut">
               <a:rPr lang="en-US" dirty="0"/>
               <a:pPr/>
-              <a:t>12/10/2018</a:t>
+              <a:t>12/17/2018</a:t>
             </a:fld>
             <a:endParaRPr lang="en-US" dirty="0"/>
           </a:p>
@@ -3427,7 +3427,7 @@
           <a:p>
             <a:fld id="{EB712588-04B1-427B-82EE-E8DB90309F08}" type="datetimeFigureOut">
               <a:rPr lang="en-US" dirty="0"/>
-              <a:t>12/10/2018</a:t>
+              <a:t>12/17/2018</a:t>
             </a:fld>
             <a:endParaRPr lang="en-US" dirty="0"/>
           </a:p>
@@ -3797,7 +3797,7 @@
             <a:fld id="{B61BEF0D-F0BB-DE4B-95CE-6DB70DBA9567}" type="datetimeFigureOut">
               <a:rPr lang="en-US" dirty="0"/>
               <a:pPr/>
-              <a:t>12/10/2018</a:t>
+              <a:t>12/17/2018</a:t>
             </a:fld>
             <a:endParaRPr lang="en-US" dirty="0"/>
           </a:p>
@@ -3917,7 +3917,7 @@
             <a:fld id="{B61BEF0D-F0BB-DE4B-95CE-6DB70DBA9567}" type="datetimeFigureOut">
               <a:rPr lang="en-US" dirty="0"/>
               <a:pPr/>
-              <a:t>12/10/2018</a:t>
+              <a:t>12/17/2018</a:t>
             </a:fld>
             <a:endParaRPr lang="en-US" dirty="0"/>
           </a:p>
@@ -4009,7 +4009,7 @@
             <a:fld id="{B61BEF0D-F0BB-DE4B-95CE-6DB70DBA9567}" type="datetimeFigureOut">
               <a:rPr lang="en-US" dirty="0"/>
               <a:pPr/>
-              <a:t>12/10/2018</a:t>
+              <a:t>12/17/2018</a:t>
             </a:fld>
             <a:endParaRPr lang="en-US" dirty="0"/>
           </a:p>
@@ -4260,7 +4260,7 @@
           <a:p>
             <a:fld id="{42A54C80-263E-416B-A8E0-580EDEADCBDC}" type="datetimeFigureOut">
               <a:rPr lang="en-US" dirty="0"/>
-              <a:t>12/10/2018</a:t>
+              <a:t>12/17/2018</a:t>
             </a:fld>
             <a:endParaRPr lang="en-US" dirty="0"/>
           </a:p>
@@ -4519,7 +4519,7 @@
             <a:fld id="{B61BEF0D-F0BB-DE4B-95CE-6DB70DBA9567}" type="datetimeFigureOut">
               <a:rPr lang="en-US" dirty="0"/>
               <a:pPr/>
-              <a:t>12/10/2018</a:t>
+              <a:t>12/17/2018</a:t>
             </a:fld>
             <a:endParaRPr lang="en-US" dirty="0"/>
           </a:p>
@@ -5259,7 +5259,7 @@
             <a:fld id="{B61BEF0D-F0BB-DE4B-95CE-6DB70DBA9567}" type="datetimeFigureOut">
               <a:rPr lang="en-US" dirty="0"/>
               <a:pPr/>
-              <a:t>12/10/2018</a:t>
+              <a:t>12/17/2018</a:t>
             </a:fld>
             <a:endParaRPr lang="en-US" dirty="0"/>
           </a:p>
@@ -5910,10 +5910,22 @@
               <a:buNone/>
             </a:pPr>
             <a:r>
-              <a:rPr lang="en-US" b="1" dirty="0"/>
+              <a:rPr lang="en-US" b="1" dirty="0">
+                <a:solidFill>
+                  <a:schemeClr val="accent2">
+                    <a:lumMod val="50000"/>
+                  </a:schemeClr>
+                </a:solidFill>
+              </a:rPr>
               <a:t>[G1] - Collect data (location, health status: cardiac rhythm, steps) from all registered users</a:t>
             </a:r>
-            <a:endParaRPr lang="en-US" dirty="0"/>
+            <a:endParaRPr lang="en-US" dirty="0">
+              <a:solidFill>
+                <a:schemeClr val="accent2">
+                  <a:lumMod val="50000"/>
+                </a:schemeClr>
+              </a:solidFill>
+            </a:endParaRPr>
           </a:p>
           <a:p>
             <a:pPr marL="0" indent="0">
@@ -5954,29 +5966,65 @@
               <a:buNone/>
             </a:pPr>
             <a:r>
-              <a:rPr lang="en-US" dirty="0"/>
+              <a:rPr lang="en-US" dirty="0">
+                <a:solidFill>
+                  <a:schemeClr val="accent1">
+                    <a:lumMod val="75000"/>
+                  </a:schemeClr>
+                </a:solidFill>
+              </a:rPr>
               <a:t>D1: Users have valid </a:t>
             </a:r>
             <a:r>
-              <a:rPr lang="en-US" dirty="0" err="1"/>
+              <a:rPr lang="en-US" dirty="0" err="1">
+                <a:solidFill>
+                  <a:schemeClr val="accent1">
+                    <a:lumMod val="75000"/>
+                  </a:schemeClr>
+                </a:solidFill>
+              </a:rPr>
               <a:t>codice</a:t>
             </a:r>
             <a:r>
-              <a:rPr lang="en-US" dirty="0"/>
+              <a:rPr lang="en-US" dirty="0">
+                <a:solidFill>
+                  <a:schemeClr val="accent1">
+                    <a:lumMod val="75000"/>
+                  </a:schemeClr>
+                </a:solidFill>
+              </a:rPr>
               <a:t> </a:t>
             </a:r>
             <a:r>
-              <a:rPr lang="en-US" dirty="0" err="1"/>
+              <a:rPr lang="en-US" dirty="0" err="1">
+                <a:solidFill>
+                  <a:schemeClr val="accent1">
+                    <a:lumMod val="75000"/>
+                  </a:schemeClr>
+                </a:solidFill>
+              </a:rPr>
               <a:t>fiscale</a:t>
             </a:r>
-            <a:endParaRPr lang="en-US" dirty="0"/>
+            <a:endParaRPr lang="en-US" dirty="0">
+              <a:solidFill>
+                <a:schemeClr val="accent1">
+                  <a:lumMod val="75000"/>
+                </a:schemeClr>
+              </a:solidFill>
+            </a:endParaRPr>
           </a:p>
           <a:p>
             <a:pPr marL="0" indent="0">
               <a:buNone/>
             </a:pPr>
             <a:r>
-              <a:rPr lang="en-US" dirty="0"/>
+              <a:rPr lang="en-US" dirty="0">
+                <a:solidFill>
+                  <a:schemeClr val="accent1">
+                    <a:lumMod val="75000"/>
+                  </a:schemeClr>
+                </a:solidFill>
+              </a:rPr>
               <a:t>D2: Location of users is obtained from GPS of the user's device</a:t>
             </a:r>
           </a:p>
@@ -5985,7 +6033,13 @@
               <a:buNone/>
             </a:pPr>
             <a:r>
-              <a:rPr lang="en-US" dirty="0"/>
+              <a:rPr lang="en-US" dirty="0">
+                <a:solidFill>
+                  <a:schemeClr val="accent1">
+                    <a:lumMod val="75000"/>
+                  </a:schemeClr>
+                </a:solidFill>
+              </a:rPr>
               <a:t>D3: Users are always connected to internet</a:t>
             </a:r>
           </a:p>
@@ -6045,13 +6099,13 @@
         </p:nvSpPr>
         <p:spPr>
           <a:xfrm>
-            <a:off x="677334" y="1091683"/>
-            <a:ext cx="8596668" cy="4949680"/>
+            <a:off x="677334" y="503853"/>
+            <a:ext cx="8596668" cy="5537510"/>
           </a:xfrm>
         </p:spPr>
         <p:txBody>
           <a:bodyPr>
-            <a:normAutofit/>
+            <a:normAutofit fontScale="92500" lnSpcReduction="10000"/>
           </a:bodyPr>
           <a:lstStyle/>
           <a:p>
@@ -6059,10 +6113,22 @@
               <a:buNone/>
             </a:pPr>
             <a:r>
-              <a:rPr lang="en-US" b="1" dirty="0"/>
+              <a:rPr lang="en-US" b="1" dirty="0">
+                <a:solidFill>
+                  <a:schemeClr val="accent2">
+                    <a:lumMod val="50000"/>
+                  </a:schemeClr>
+                </a:solidFill>
+              </a:rPr>
               <a:t>[G2] Registered third parties can access data from individual users with permission</a:t>
             </a:r>
-            <a:endParaRPr lang="en-US" dirty="0"/>
+            <a:endParaRPr lang="en-US" dirty="0">
+              <a:solidFill>
+                <a:schemeClr val="accent2">
+                  <a:lumMod val="50000"/>
+                </a:schemeClr>
+              </a:solidFill>
+            </a:endParaRPr>
           </a:p>
           <a:p>
             <a:pPr marL="0" indent="0">
@@ -6109,23 +6175,53 @@
               <a:buNone/>
             </a:pPr>
             <a:r>
-              <a:rPr lang="en-US" dirty="0"/>
+              <a:rPr lang="en-US" dirty="0">
+                <a:solidFill>
+                  <a:schemeClr val="accent1">
+                    <a:lumMod val="75000"/>
+                  </a:schemeClr>
+                </a:solidFill>
+              </a:rPr>
               <a:t>D4: Third party knows the </a:t>
             </a:r>
             <a:r>
-              <a:rPr lang="en-US" dirty="0" err="1"/>
+              <a:rPr lang="en-US" dirty="0" err="1">
+                <a:solidFill>
+                  <a:schemeClr val="accent1">
+                    <a:lumMod val="75000"/>
+                  </a:schemeClr>
+                </a:solidFill>
+              </a:rPr>
               <a:t>codice</a:t>
             </a:r>
             <a:r>
-              <a:rPr lang="en-US" dirty="0"/>
+              <a:rPr lang="en-US" dirty="0">
+                <a:solidFill>
+                  <a:schemeClr val="accent1">
+                    <a:lumMod val="75000"/>
+                  </a:schemeClr>
+                </a:solidFill>
+              </a:rPr>
               <a:t> </a:t>
             </a:r>
             <a:r>
-              <a:rPr lang="en-US" dirty="0" err="1"/>
+              <a:rPr lang="en-US" dirty="0" err="1">
+                <a:solidFill>
+                  <a:schemeClr val="accent1">
+                    <a:lumMod val="75000"/>
+                  </a:schemeClr>
+                </a:solidFill>
+              </a:rPr>
               <a:t>fiscale</a:t>
             </a:r>
             <a:r>
-              <a:rPr lang="en-US" dirty="0"/>
+              <a:rPr lang="en-US" dirty="0">
+                <a:solidFill>
+                  <a:schemeClr val="accent1">
+                    <a:lumMod val="75000"/>
+                  </a:schemeClr>
+                </a:solidFill>
+              </a:rPr>
               <a:t> of the user</a:t>
             </a:r>
           </a:p>
@@ -6134,7 +6230,13 @@
               <a:buNone/>
             </a:pPr>
             <a:r>
-              <a:rPr lang="en-US" dirty="0"/>
+              <a:rPr lang="en-US" dirty="0">
+                <a:solidFill>
+                  <a:schemeClr val="accent2">
+                    <a:lumMod val="50000"/>
+                  </a:schemeClr>
+                </a:solidFill>
+              </a:rPr>
               <a:t> </a:t>
             </a:r>
           </a:p>
@@ -6143,10 +6245,22 @@
               <a:buNone/>
             </a:pPr>
             <a:r>
-              <a:rPr lang="en-US" b="1" dirty="0"/>
+              <a:rPr lang="en-US" b="1" dirty="0">
+                <a:solidFill>
+                  <a:schemeClr val="accent2">
+                    <a:lumMod val="50000"/>
+                  </a:schemeClr>
+                </a:solidFill>
+              </a:rPr>
               <a:t>[G3] Registered third parties can request for anonymized data of groups of individuals</a:t>
             </a:r>
-            <a:endParaRPr lang="en-US" dirty="0"/>
+            <a:endParaRPr lang="en-US" dirty="0">
+              <a:solidFill>
+                <a:schemeClr val="accent2">
+                  <a:lumMod val="50000"/>
+                </a:schemeClr>
+              </a:solidFill>
+            </a:endParaRPr>
           </a:p>
           <a:p>
             <a:pPr marL="0" indent="0">
@@ -6165,6 +6279,58 @@
               <a:rPr lang="en-US" dirty="0"/>
               <a:t>R7: System should be able to accept or refuse a request based on the size of data</a:t>
             </a:r>
+          </a:p>
+          <a:p>
+            <a:pPr marL="0" indent="0">
+              <a:buNone/>
+            </a:pPr>
+            <a:endParaRPr lang="en-US" dirty="0"/>
+          </a:p>
+          <a:p>
+            <a:pPr marL="0" indent="0">
+              <a:buNone/>
+            </a:pPr>
+            <a:r>
+              <a:rPr lang="en-US" b="1" dirty="0">
+                <a:solidFill>
+                  <a:schemeClr val="accent2">
+                    <a:lumMod val="50000"/>
+                  </a:schemeClr>
+                </a:solidFill>
+              </a:rPr>
+              <a:t>[G4] Registered third parties can subscribe and receive data</a:t>
+            </a:r>
+            <a:endParaRPr lang="en-US" dirty="0">
+              <a:solidFill>
+                <a:schemeClr val="accent2">
+                  <a:lumMod val="50000"/>
+                </a:schemeClr>
+              </a:solidFill>
+            </a:endParaRPr>
+          </a:p>
+          <a:p>
+            <a:pPr marL="0" indent="0">
+              <a:buNone/>
+            </a:pPr>
+            <a:r>
+              <a:rPr lang="en-US" dirty="0"/>
+              <a:t>R8: System should allow subscription for data requests from third party</a:t>
+            </a:r>
+          </a:p>
+          <a:p>
+            <a:pPr marL="0" indent="0">
+              <a:buNone/>
+            </a:pPr>
+            <a:r>
+              <a:rPr lang="en-US" dirty="0"/>
+              <a:t>R9: System should send requested data as soon as they are produced</a:t>
+            </a:r>
+          </a:p>
+          <a:p>
+            <a:pPr marL="0" indent="0">
+              <a:buNone/>
+            </a:pPr>
+            <a:endParaRPr lang="en-US" dirty="0"/>
           </a:p>
           <a:p>
             <a:pPr marL="0" indent="0">
@@ -6228,7 +6394,7 @@
         </p:spPr>
         <p:txBody>
           <a:bodyPr>
-            <a:normAutofit lnSpcReduction="10000"/>
+            <a:normAutofit/>
           </a:bodyPr>
           <a:lstStyle/>
           <a:p>
@@ -6245,34 +6411,6 @@
               <a:buNone/>
             </a:pPr>
             <a:r>
-              <a:rPr lang="en-US" b="1" dirty="0"/>
-              <a:t>[G4] Registered third parties can subscribe and receive data</a:t>
-            </a:r>
-            <a:endParaRPr lang="en-US" dirty="0"/>
-          </a:p>
-          <a:p>
-            <a:pPr marL="0" indent="0">
-              <a:buNone/>
-            </a:pPr>
-            <a:r>
-              <a:rPr lang="en-US" dirty="0"/>
-              <a:t>R8: System should allow subscription for data requests from third party</a:t>
-            </a:r>
-          </a:p>
-          <a:p>
-            <a:pPr marL="0" indent="0">
-              <a:buNone/>
-            </a:pPr>
-            <a:r>
-              <a:rPr lang="en-US" dirty="0"/>
-              <a:t>R9: System should send requested data as soon as they are produced</a:t>
-            </a:r>
-          </a:p>
-          <a:p>
-            <a:pPr marL="0" indent="0">
-              <a:buNone/>
-            </a:pPr>
-            <a:r>
               <a:rPr lang="en-US" dirty="0"/>
               <a:t> </a:t>
             </a:r>
@@ -6282,10 +6420,22 @@
               <a:buNone/>
             </a:pPr>
             <a:r>
-              <a:rPr lang="en-US" b="1" dirty="0"/>
+              <a:rPr lang="en-US" b="1" dirty="0">
+                <a:solidFill>
+                  <a:schemeClr val="accent2">
+                    <a:lumMod val="50000"/>
+                  </a:schemeClr>
+                </a:solidFill>
+              </a:rPr>
               <a:t>[G5] registered elderly users can subscribe for a personalized and non-intrusive SOS service</a:t>
             </a:r>
-            <a:endParaRPr lang="en-US" dirty="0"/>
+            <a:endParaRPr lang="en-US" dirty="0">
+              <a:solidFill>
+                <a:schemeClr val="accent2">
+                  <a:lumMod val="50000"/>
+                </a:schemeClr>
+              </a:solidFill>
+            </a:endParaRPr>
           </a:p>
           <a:p>
             <a:pPr marL="0" indent="0">
@@ -6316,10 +6466,22 @@
               <a:buNone/>
             </a:pPr>
             <a:r>
-              <a:rPr lang="en-US" b="1" dirty="0"/>
+              <a:rPr lang="en-US" b="1" dirty="0">
+                <a:solidFill>
+                  <a:schemeClr val="accent2">
+                    <a:lumMod val="50000"/>
+                  </a:schemeClr>
+                </a:solidFill>
+              </a:rPr>
               <a:t>[G6] Call an ambulance for subscribed elderly people if needed</a:t>
             </a:r>
-            <a:endParaRPr lang="en-US" dirty="0"/>
+            <a:endParaRPr lang="en-US" dirty="0">
+              <a:solidFill>
+                <a:schemeClr val="accent2">
+                  <a:lumMod val="50000"/>
+                </a:schemeClr>
+              </a:solidFill>
+            </a:endParaRPr>
           </a:p>
           <a:p>
             <a:pPr marL="0" indent="0">
@@ -6344,7 +6506,13 @@
               <a:buNone/>
             </a:pPr>
             <a:r>
-              <a:rPr lang="en-US" dirty="0"/>
+              <a:rPr lang="en-US" dirty="0">
+                <a:solidFill>
+                  <a:schemeClr val="accent1">
+                    <a:lumMod val="75000"/>
+                  </a:schemeClr>
+                </a:solidFill>
+              </a:rPr>
               <a:t>D5: Facility to call an ambulance is available</a:t>
             </a:r>
           </a:p>
@@ -6424,10 +6592,22 @@
               <a:buNone/>
             </a:pPr>
             <a:r>
-              <a:rPr lang="en-US" b="1" dirty="0"/>
+              <a:rPr lang="en-US" b="1" dirty="0">
+                <a:solidFill>
+                  <a:schemeClr val="accent2">
+                    <a:lumMod val="50000"/>
+                  </a:schemeClr>
+                </a:solidFill>
+              </a:rPr>
               <a:t>[G7] Run organizers can set up a path for the run</a:t>
             </a:r>
-            <a:endParaRPr lang="en-US" dirty="0"/>
+            <a:endParaRPr lang="en-US" dirty="0">
+              <a:solidFill>
+                <a:schemeClr val="accent2">
+                  <a:lumMod val="50000"/>
+                </a:schemeClr>
+              </a:solidFill>
+            </a:endParaRPr>
           </a:p>
           <a:p>
             <a:pPr marL="0" indent="0">
@@ -6443,8 +6623,60 @@
               <a:buNone/>
             </a:pPr>
             <a:r>
+              <a:rPr lang="en-US" dirty="0">
+                <a:solidFill>
+                  <a:schemeClr val="accent1">
+                    <a:lumMod val="75000"/>
+                  </a:schemeClr>
+                </a:solidFill>
+              </a:rPr>
+              <a:t>D6: System uses existing map application</a:t>
+            </a:r>
+          </a:p>
+          <a:p>
+            <a:pPr marL="0" indent="0">
+              <a:buNone/>
+            </a:pPr>
+            <a:r>
+              <a:rPr lang="en-US" dirty="0">
+                <a:solidFill>
+                  <a:schemeClr val="accent2">
+                    <a:lumMod val="50000"/>
+                  </a:schemeClr>
+                </a:solidFill>
+              </a:rPr>
+              <a:t> </a:t>
+            </a:r>
+          </a:p>
+          <a:p>
+            <a:pPr marL="0" indent="0">
+              <a:buNone/>
+            </a:pPr>
+            <a:r>
+              <a:rPr lang="en-US" b="1" dirty="0">
+                <a:solidFill>
+                  <a:schemeClr val="accent2">
+                    <a:lumMod val="50000"/>
+                  </a:schemeClr>
+                </a:solidFill>
+              </a:rPr>
+              <a:t>[G8] run organizers can set up enrollment process</a:t>
+            </a:r>
+            <a:endParaRPr lang="en-US" dirty="0">
+              <a:solidFill>
+                <a:schemeClr val="accent2">
+                  <a:lumMod val="50000"/>
+                </a:schemeClr>
+              </a:solidFill>
+            </a:endParaRPr>
+          </a:p>
+          <a:p>
+            <a:pPr marL="0" indent="0">
+              <a:buNone/>
+            </a:pPr>
+            <a:r>
               <a:rPr lang="en-US" dirty="0"/>
-              <a:t>D6: System uses existing map application</a:t>
+              <a:t>R14: System should allow creating an enrollment process</a:t>
             </a:r>
           </a:p>
           <a:p>
@@ -6461,38 +6693,22 @@
               <a:buNone/>
             </a:pPr>
             <a:r>
-              <a:rPr lang="en-US" b="1" dirty="0"/>
-              <a:t>[G8] run organizers can set up enrollment process</a:t>
-            </a:r>
-            <a:endParaRPr lang="en-US" dirty="0"/>
-          </a:p>
-          <a:p>
-            <a:pPr marL="0" indent="0">
-              <a:buNone/>
-            </a:pPr>
-            <a:r>
-              <a:rPr lang="en-US" dirty="0"/>
-              <a:t>R14: System should allow creating an enrollment process</a:t>
-            </a:r>
-          </a:p>
-          <a:p>
-            <a:pPr marL="0" indent="0">
-              <a:buNone/>
-            </a:pPr>
-            <a:r>
-              <a:rPr lang="en-US" dirty="0"/>
-              <a:t> </a:t>
-            </a:r>
-          </a:p>
-          <a:p>
-            <a:pPr marL="0" indent="0">
-              <a:buNone/>
-            </a:pPr>
-            <a:r>
-              <a:rPr lang="en-US" b="1" dirty="0"/>
+              <a:rPr lang="en-US" b="1" dirty="0">
+                <a:solidFill>
+                  <a:schemeClr val="accent2">
+                    <a:lumMod val="50000"/>
+                  </a:schemeClr>
+                </a:solidFill>
+              </a:rPr>
               <a:t>[G9] run participants can enroll for a run</a:t>
             </a:r>
-            <a:endParaRPr lang="en-US" dirty="0"/>
+            <a:endParaRPr lang="en-US" dirty="0">
+              <a:solidFill>
+                <a:schemeClr val="accent2">
+                  <a:lumMod val="50000"/>
+                </a:schemeClr>
+              </a:solidFill>
+            </a:endParaRPr>
           </a:p>
           <a:p>
             <a:pPr marL="0" indent="0">
@@ -6508,7 +6724,13 @@
               <a:buNone/>
             </a:pPr>
             <a:r>
-              <a:rPr lang="en-US" dirty="0"/>
+              <a:rPr lang="en-US" dirty="0">
+                <a:solidFill>
+                  <a:schemeClr val="accent1">
+                    <a:lumMod val="75000"/>
+                  </a:schemeClr>
+                </a:solidFill>
+              </a:rPr>
               <a:t>D7: Run participants should be registered users of the Data4Help service</a:t>
             </a:r>
           </a:p>
@@ -6517,7 +6739,13 @@
               <a:buNone/>
             </a:pPr>
             <a:r>
-              <a:rPr lang="en-US" dirty="0"/>
+              <a:rPr lang="en-US" dirty="0">
+                <a:solidFill>
+                  <a:schemeClr val="accent2">
+                    <a:lumMod val="50000"/>
+                  </a:schemeClr>
+                </a:solidFill>
+              </a:rPr>
               <a:t> </a:t>
             </a:r>
           </a:p>
@@ -6526,10 +6754,22 @@
               <a:buNone/>
             </a:pPr>
             <a:r>
-              <a:rPr lang="en-US" b="1" dirty="0"/>
+              <a:rPr lang="en-US" b="1" dirty="0">
+                <a:solidFill>
+                  <a:schemeClr val="accent2">
+                    <a:lumMod val="50000"/>
+                  </a:schemeClr>
+                </a:solidFill>
+              </a:rPr>
               <a:t>[G10] showing the situation of the run to spectators</a:t>
             </a:r>
-            <a:endParaRPr lang="en-US" dirty="0"/>
+            <a:endParaRPr lang="en-US" dirty="0">
+              <a:solidFill>
+                <a:schemeClr val="accent2">
+                  <a:lumMod val="50000"/>
+                </a:schemeClr>
+              </a:solidFill>
+            </a:endParaRPr>
           </a:p>
           <a:p>
             <a:pPr marL="0" indent="0">
@@ -6554,7 +6794,13 @@
               <a:buNone/>
             </a:pPr>
             <a:r>
-              <a:rPr lang="en-US" dirty="0"/>
+              <a:rPr lang="en-US" dirty="0">
+                <a:solidFill>
+                  <a:schemeClr val="accent1">
+                    <a:lumMod val="75000"/>
+                  </a:schemeClr>
+                </a:solidFill>
+              </a:rPr>
               <a:t>D8: spectators have internet access</a:t>
             </a:r>
           </a:p>
